--- a/数据分析-5-数据可视化.pptx
+++ b/数据分析-5-数据可视化.pptx
@@ -16,10 +16,11 @@
     <p:sldId id="278" r:id="rId10"/>
     <p:sldId id="276" r:id="rId11"/>
     <p:sldId id="280" r:id="rId12"/>
-    <p:sldId id="258" r:id="rId13"/>
+    <p:sldId id="279" r:id="rId13"/>
     <p:sldId id="266" r:id="rId14"/>
-    <p:sldId id="279" r:id="rId15"/>
-    <p:sldId id="265" r:id="rId16"/>
+    <p:sldId id="265" r:id="rId15"/>
+    <p:sldId id="258" r:id="rId16"/>
+    <p:sldId id="281" r:id="rId17"/>
   </p:sldIdLst>
   <p:sldSz cx="12192000" cy="6858000"/>
   <p:notesSz cx="6858000" cy="9144000"/>
@@ -3803,7 +3804,7 @@
           <a:p>
             <a:fld id="{23BF184E-AA76-4B73-80BF-0FB427DC7AC1}" type="datetimeFigureOut">
               <a:rPr lang="zh-CN" altLang="en-US" smtClean="0"/>
-              <a:t>2017/11/2</a:t>
+              <a:t>2017/11/3</a:t>
             </a:fld>
             <a:endParaRPr lang="zh-CN" altLang="en-US"/>
           </a:p>
@@ -4011,7 +4012,7 @@
           <a:p>
             <a:fld id="{23BF184E-AA76-4B73-80BF-0FB427DC7AC1}" type="datetimeFigureOut">
               <a:rPr lang="zh-CN" altLang="en-US" smtClean="0"/>
-              <a:t>2017/11/2</a:t>
+              <a:t>2017/11/3</a:t>
             </a:fld>
             <a:endParaRPr lang="zh-CN" altLang="en-US"/>
           </a:p>
@@ -4267,7 +4268,7 @@
           <a:p>
             <a:fld id="{23BF184E-AA76-4B73-80BF-0FB427DC7AC1}" type="datetimeFigureOut">
               <a:rPr lang="zh-CN" altLang="en-US" smtClean="0"/>
-              <a:t>2017/11/2</a:t>
+              <a:t>2017/11/3</a:t>
             </a:fld>
             <a:endParaRPr lang="zh-CN" altLang="en-US"/>
           </a:p>
@@ -4466,7 +4467,7 @@
           <a:p>
             <a:fld id="{23BF184E-AA76-4B73-80BF-0FB427DC7AC1}" type="datetimeFigureOut">
               <a:rPr lang="zh-CN" altLang="en-US" smtClean="0"/>
-              <a:t>2017/11/2</a:t>
+              <a:t>2017/11/3</a:t>
             </a:fld>
             <a:endParaRPr lang="zh-CN" altLang="en-US"/>
           </a:p>
@@ -4808,7 +4809,7 @@
           <a:p>
             <a:fld id="{23BF184E-AA76-4B73-80BF-0FB427DC7AC1}" type="datetimeFigureOut">
               <a:rPr lang="zh-CN" altLang="en-US" smtClean="0"/>
-              <a:t>2017/11/2</a:t>
+              <a:t>2017/11/3</a:t>
             </a:fld>
             <a:endParaRPr lang="zh-CN" altLang="en-US"/>
           </a:p>
@@ -5083,7 +5084,7 @@
           <a:p>
             <a:fld id="{23BF184E-AA76-4B73-80BF-0FB427DC7AC1}" type="datetimeFigureOut">
               <a:rPr lang="zh-CN" altLang="en-US" smtClean="0"/>
-              <a:t>2017/11/2</a:t>
+              <a:t>2017/11/3</a:t>
             </a:fld>
             <a:endParaRPr lang="zh-CN" altLang="en-US"/>
           </a:p>
@@ -5462,7 +5463,7 @@
           <a:p>
             <a:fld id="{23BF184E-AA76-4B73-80BF-0FB427DC7AC1}" type="datetimeFigureOut">
               <a:rPr lang="zh-CN" altLang="en-US" smtClean="0"/>
-              <a:t>2017/11/2</a:t>
+              <a:t>2017/11/3</a:t>
             </a:fld>
             <a:endParaRPr lang="zh-CN" altLang="en-US"/>
           </a:p>
@@ -5580,7 +5581,7 @@
           <a:p>
             <a:fld id="{23BF184E-AA76-4B73-80BF-0FB427DC7AC1}" type="datetimeFigureOut">
               <a:rPr lang="zh-CN" altLang="en-US" smtClean="0"/>
-              <a:t>2017/11/2</a:t>
+              <a:t>2017/11/3</a:t>
             </a:fld>
             <a:endParaRPr lang="zh-CN" altLang="en-US"/>
           </a:p>
@@ -5751,7 +5752,7 @@
           <a:p>
             <a:fld id="{23BF184E-AA76-4B73-80BF-0FB427DC7AC1}" type="datetimeFigureOut">
               <a:rPr lang="zh-CN" altLang="en-US" smtClean="0"/>
-              <a:t>2017/11/2</a:t>
+              <a:t>2017/11/3</a:t>
             </a:fld>
             <a:endParaRPr lang="zh-CN" altLang="en-US"/>
           </a:p>
@@ -6105,7 +6106,7 @@
           <a:p>
             <a:fld id="{23BF184E-AA76-4B73-80BF-0FB427DC7AC1}" type="datetimeFigureOut">
               <a:rPr lang="zh-CN" altLang="en-US" smtClean="0"/>
-              <a:t>2017/11/2</a:t>
+              <a:t>2017/11/3</a:t>
             </a:fld>
             <a:endParaRPr lang="zh-CN" altLang="en-US"/>
           </a:p>
@@ -6487,7 +6488,7 @@
           <a:p>
             <a:fld id="{23BF184E-AA76-4B73-80BF-0FB427DC7AC1}" type="datetimeFigureOut">
               <a:rPr lang="zh-CN" altLang="en-US" smtClean="0"/>
-              <a:t>2017/11/2</a:t>
+              <a:t>2017/11/3</a:t>
             </a:fld>
             <a:endParaRPr lang="zh-CN" altLang="en-US"/>
           </a:p>
@@ -6774,7 +6775,7 @@
           <a:p>
             <a:fld id="{23BF184E-AA76-4B73-80BF-0FB427DC7AC1}" type="datetimeFigureOut">
               <a:rPr lang="zh-CN" altLang="en-US" smtClean="0"/>
-              <a:t>2017/11/2</a:t>
+              <a:t>2017/11/3</a:t>
             </a:fld>
             <a:endParaRPr lang="zh-CN" altLang="en-US"/>
           </a:p>
@@ -8711,65 +8712,63 @@
           <a:bodyPr/>
           <a:lstStyle/>
           <a:p>
-            <a:r>
-              <a:rPr lang="zh-CN" altLang="en-US" dirty="0" smtClean="0"/>
-              <a:t>图形的种类</a:t>
-            </a:r>
-            <a:endParaRPr lang="zh-CN" altLang="en-US" dirty="0"/>
+            <a:endParaRPr lang="zh-CN" altLang="en-US"/>
           </a:p>
         </p:txBody>
       </p:sp>
+      <p:graphicFrame>
+        <p:nvGraphicFramePr>
+          <p:cNvPr id="6" name="内容占位符 5"/>
+          <p:cNvGraphicFramePr>
+            <a:graphicFrameLocks noGrp="1"/>
+          </p:cNvGraphicFramePr>
+          <p:nvPr>
+            <p:ph sz="half" idx="1"/>
+            <p:extLst>
+              <p:ext uri="{D42A27DB-BD31-4B8C-83A1-F6EECF244321}">
+                <p14:modId xmlns:p14="http://schemas.microsoft.com/office/powerpoint/2010/main" val="643125239"/>
+              </p:ext>
+            </p:extLst>
+          </p:nvPr>
+        </p:nvGraphicFramePr>
+        <p:xfrm>
+          <a:off x="1096963" y="1846263"/>
+          <a:ext cx="5694130" cy="4022725"/>
+        </p:xfrm>
+        <a:graphic>
+          <a:graphicData uri="http://schemas.openxmlformats.org/drawingml/2006/diagram">
+            <dgm:relIds xmlns:dgm="http://schemas.openxmlformats.org/drawingml/2006/diagram" xmlns:r="http://schemas.openxmlformats.org/officeDocument/2006/relationships" r:dm="rId2" r:lo="rId3" r:qs="rId4" r:cs="rId5"/>
+          </a:graphicData>
+        </a:graphic>
+      </p:graphicFrame>
       <p:sp>
         <p:nvSpPr>
-          <p:cNvPr id="3" name="内容占位符 2"/>
+          <p:cNvPr id="4" name="内容占位符 3"/>
           <p:cNvSpPr>
             <a:spLocks noGrp="1"/>
           </p:cNvSpPr>
           <p:nvPr>
-            <p:ph idx="1"/>
+            <p:ph sz="half" idx="2"/>
           </p:nvPr>
         </p:nvSpPr>
-        <p:spPr/>
+        <p:spPr>
+          <a:xfrm>
+            <a:off x="7058722" y="1845735"/>
+            <a:ext cx="4096958" cy="4023360"/>
+          </a:xfrm>
+        </p:spPr>
         <p:txBody>
           <a:bodyPr/>
           <a:lstStyle/>
           <a:p>
-            <a:r>
-              <a:rPr lang="zh-CN" altLang="en-US" dirty="0" smtClean="0"/>
-              <a:t>请指出右侧图中各项图形要素</a:t>
-            </a:r>
             <a:endParaRPr lang="zh-CN" altLang="en-US" dirty="0"/>
           </a:p>
         </p:txBody>
       </p:sp>
-      <p:pic>
-        <p:nvPicPr>
-          <p:cNvPr id="4" name="图片 3"/>
-          <p:cNvPicPr>
-            <a:picLocks noChangeAspect="1"/>
-          </p:cNvPicPr>
-          <p:nvPr/>
-        </p:nvPicPr>
-        <p:blipFill>
-          <a:blip r:embed="rId2"/>
-          <a:stretch>
-            <a:fillRect/>
-          </a:stretch>
-        </p:blipFill>
-        <p:spPr>
-          <a:xfrm>
-            <a:off x="5349565" y="877994"/>
-            <a:ext cx="6753225" cy="4991100"/>
-          </a:xfrm>
-          <a:prstGeom prst="rect">
-            <a:avLst/>
-          </a:prstGeom>
-        </p:spPr>
-      </p:pic>
     </p:spTree>
     <p:extLst>
       <p:ext uri="{BB962C8B-B14F-4D97-AF65-F5344CB8AC3E}">
-        <p14:creationId xmlns:p14="http://schemas.microsoft.com/office/powerpoint/2010/main" val="2449315150"/>
+        <p14:creationId xmlns:p14="http://schemas.microsoft.com/office/powerpoint/2010/main" val="3166070539"/>
       </p:ext>
     </p:extLst>
   </p:cSld>
@@ -8779,83 +8778,7 @@
   <p:timing>
     <p:tnLst>
       <p:par>
-        <p:cTn id="1" dur="indefinite" restart="never" nodeType="tmRoot">
-          <p:childTnLst>
-            <p:seq concurrent="1" nextAc="seek">
-              <p:cTn id="2" dur="indefinite" nodeType="mainSeq">
-                <p:childTnLst>
-                  <p:par>
-                    <p:cTn id="3" fill="hold">
-                      <p:stCondLst>
-                        <p:cond delay="indefinite"/>
-                      </p:stCondLst>
-                      <p:childTnLst>
-                        <p:par>
-                          <p:cTn id="4" fill="hold">
-                            <p:stCondLst>
-                              <p:cond delay="0"/>
-                            </p:stCondLst>
-                            <p:childTnLst>
-                              <p:par>
-                                <p:cTn id="5" presetID="10" presetClass="entr" presetSubtype="0" fill="hold" nodeType="clickEffect">
-                                  <p:stCondLst>
-                                    <p:cond delay="0"/>
-                                  </p:stCondLst>
-                                  <p:childTnLst>
-                                    <p:set>
-                                      <p:cBhvr>
-                                        <p:cTn id="6" dur="1" fill="hold">
-                                          <p:stCondLst>
-                                            <p:cond delay="0"/>
-                                          </p:stCondLst>
-                                        </p:cTn>
-                                        <p:tgtEl>
-                                          <p:spTgt spid="4"/>
-                                        </p:tgtEl>
-                                        <p:attrNameLst>
-                                          <p:attrName>style.visibility</p:attrName>
-                                        </p:attrNameLst>
-                                      </p:cBhvr>
-                                      <p:to>
-                                        <p:strVal val="visible"/>
-                                      </p:to>
-                                    </p:set>
-                                    <p:animEffect transition="in" filter="fade">
-                                      <p:cBhvr>
-                                        <p:cTn id="7" dur="500"/>
-                                        <p:tgtEl>
-                                          <p:spTgt spid="4"/>
-                                        </p:tgtEl>
-                                      </p:cBhvr>
-                                    </p:animEffect>
-                                  </p:childTnLst>
-                                </p:cTn>
-                              </p:par>
-                            </p:childTnLst>
-                          </p:cTn>
-                        </p:par>
-                      </p:childTnLst>
-                    </p:cTn>
-                  </p:par>
-                </p:childTnLst>
-              </p:cTn>
-              <p:prevCondLst>
-                <p:cond evt="onPrev" delay="0">
-                  <p:tgtEl>
-                    <p:sldTgt/>
-                  </p:tgtEl>
-                </p:cond>
-              </p:prevCondLst>
-              <p:nextCondLst>
-                <p:cond evt="onNext" delay="0">
-                  <p:tgtEl>
-                    <p:sldTgt/>
-                  </p:tgtEl>
-                </p:cond>
-              </p:nextCondLst>
-            </p:seq>
-          </p:childTnLst>
-        </p:cTn>
+        <p:cTn id="1" dur="indefinite" restart="never" nodeType="tmRoot"/>
       </p:par>
     </p:tnLst>
   </p:timing>
@@ -9060,35 +8983,99 @@
           <a:bodyPr/>
           <a:lstStyle/>
           <a:p>
-            <a:endParaRPr lang="zh-CN" altLang="en-US"/>
+            <a:r>
+              <a:rPr lang="zh-CN" altLang="en-US" dirty="0" smtClean="0"/>
+              <a:t>可视化高级方法</a:t>
+            </a:r>
+            <a:r>
+              <a:rPr lang="en-US" altLang="zh-CN" dirty="0" smtClean="0"/>
+              <a:t>-</a:t>
+            </a:r>
+            <a:r>
+              <a:rPr lang="zh-CN" altLang="en-US" dirty="0" smtClean="0"/>
+              <a:t>图形语法</a:t>
+            </a:r>
+            <a:endParaRPr lang="zh-CN" altLang="en-US" dirty="0"/>
           </a:p>
         </p:txBody>
       </p:sp>
-      <p:graphicFrame>
-        <p:nvGraphicFramePr>
-          <p:cNvPr id="6" name="内容占位符 5"/>
-          <p:cNvGraphicFramePr>
-            <a:graphicFrameLocks noGrp="1"/>
-          </p:cNvGraphicFramePr>
+      <p:sp>
+        <p:nvSpPr>
+          <p:cNvPr id="3" name="内容占位符 2"/>
+          <p:cNvSpPr>
+            <a:spLocks noGrp="1"/>
+          </p:cNvSpPr>
           <p:nvPr>
             <p:ph sz="half" idx="1"/>
-            <p:extLst>
-              <p:ext uri="{D42A27DB-BD31-4B8C-83A1-F6EECF244321}">
-                <p14:modId xmlns:p14="http://schemas.microsoft.com/office/powerpoint/2010/main" val="643125239"/>
-              </p:ext>
-            </p:extLst>
           </p:nvPr>
-        </p:nvGraphicFramePr>
-        <p:xfrm>
-          <a:off x="1096963" y="1846263"/>
-          <a:ext cx="5694130" cy="4022725"/>
-        </p:xfrm>
-        <a:graphic>
-          <a:graphicData uri="http://schemas.openxmlformats.org/drawingml/2006/diagram">
-            <dgm:relIds xmlns:dgm="http://schemas.openxmlformats.org/drawingml/2006/diagram" xmlns:r="http://schemas.openxmlformats.org/officeDocument/2006/relationships" r:dm="rId2" r:lo="rId3" r:qs="rId4" r:cs="rId5"/>
-          </a:graphicData>
-        </a:graphic>
-      </p:graphicFrame>
+        </p:nvSpPr>
+        <p:spPr/>
+        <p:txBody>
+          <a:bodyPr/>
+          <a:lstStyle/>
+          <a:p>
+            <a:r>
+              <a:rPr lang="zh-CN" altLang="en-US" dirty="0" smtClean="0"/>
+              <a:t>数据  </a:t>
+            </a:r>
+            <a:r>
+              <a:rPr lang="en-US" altLang="zh-CN" dirty="0" smtClean="0"/>
+              <a:t>Data</a:t>
+            </a:r>
+          </a:p>
+          <a:p>
+            <a:r>
+              <a:rPr lang="zh-CN" altLang="en-US" dirty="0" smtClean="0"/>
+              <a:t>映射  </a:t>
+            </a:r>
+            <a:r>
+              <a:rPr lang="en-US" altLang="zh-CN" dirty="0" smtClean="0"/>
+              <a:t>Mapping</a:t>
+            </a:r>
+          </a:p>
+          <a:p>
+            <a:r>
+              <a:rPr lang="zh-CN" altLang="en-US" dirty="0" smtClean="0"/>
+              <a:t>几何对象  </a:t>
+            </a:r>
+            <a:r>
+              <a:rPr lang="en-US" altLang="zh-CN" dirty="0" smtClean="0"/>
+              <a:t>Geometric</a:t>
+            </a:r>
+          </a:p>
+          <a:p>
+            <a:r>
+              <a:rPr lang="zh-CN" altLang="en-US" dirty="0"/>
+              <a:t>标度  </a:t>
+            </a:r>
+            <a:r>
+              <a:rPr lang="en-US" altLang="zh-CN" dirty="0"/>
+              <a:t>Scale</a:t>
+            </a:r>
+            <a:endParaRPr lang="zh-CN" altLang="en-US" dirty="0"/>
+          </a:p>
+          <a:p>
+            <a:r>
+              <a:rPr lang="zh-CN" altLang="en-US" dirty="0"/>
+              <a:t>分面  </a:t>
+            </a:r>
+            <a:r>
+              <a:rPr lang="en-US" altLang="zh-CN" dirty="0"/>
+              <a:t>Facet</a:t>
+            </a:r>
+          </a:p>
+          <a:p>
+            <a:r>
+              <a:rPr lang="zh-CN" altLang="en-US" dirty="0" smtClean="0"/>
+              <a:t>统计变换 </a:t>
+            </a:r>
+            <a:r>
+              <a:rPr lang="en-US" altLang="zh-CN" dirty="0" smtClean="0"/>
+              <a:t>Statistics</a:t>
+            </a:r>
+          </a:p>
+        </p:txBody>
+      </p:sp>
       <p:sp>
         <p:nvSpPr>
           <p:cNvPr id="4" name="内容占位符 3"/>
@@ -9099,16 +9086,43 @@
             <p:ph sz="half" idx="2"/>
           </p:nvPr>
         </p:nvSpPr>
-        <p:spPr>
-          <a:xfrm>
-            <a:off x="7058722" y="1845735"/>
-            <a:ext cx="4096958" cy="4023360"/>
-          </a:xfrm>
-        </p:spPr>
+        <p:spPr/>
         <p:txBody>
           <a:bodyPr/>
           <a:lstStyle/>
           <a:p>
+            <a:r>
+              <a:rPr lang="zh-CN" altLang="en-US" dirty="0"/>
+              <a:t>坐标系 </a:t>
+            </a:r>
+            <a:r>
+              <a:rPr lang="en-US" altLang="zh-CN" dirty="0" err="1"/>
+              <a:t>Coordinante</a:t>
+            </a:r>
+            <a:endParaRPr lang="en-US" altLang="zh-CN" dirty="0"/>
+          </a:p>
+          <a:p>
+            <a:r>
+              <a:rPr lang="zh-CN" altLang="en-US" dirty="0" smtClean="0"/>
+              <a:t>主题  </a:t>
+            </a:r>
+            <a:r>
+              <a:rPr lang="en-US" altLang="zh-CN" dirty="0" smtClean="0"/>
+              <a:t>Theme</a:t>
+            </a:r>
+          </a:p>
+          <a:p>
+            <a:r>
+              <a:rPr lang="zh-CN" altLang="en-US" dirty="0" smtClean="0"/>
+              <a:t>位置  </a:t>
+            </a:r>
+            <a:endParaRPr lang="en-US" altLang="zh-CN" dirty="0" smtClean="0"/>
+          </a:p>
+          <a:p>
+            <a:r>
+              <a:rPr lang="zh-CN" altLang="en-US" dirty="0" smtClean="0"/>
+              <a:t>存储和输出</a:t>
+            </a:r>
             <a:endParaRPr lang="zh-CN" altLang="en-US" dirty="0"/>
           </a:p>
         </p:txBody>
@@ -9116,7 +9130,7 @@
     </p:spTree>
     <p:extLst>
       <p:ext uri="{BB962C8B-B14F-4D97-AF65-F5344CB8AC3E}">
-        <p14:creationId xmlns:p14="http://schemas.microsoft.com/office/powerpoint/2010/main" val="3166070539"/>
+        <p14:creationId xmlns:p14="http://schemas.microsoft.com/office/powerpoint/2010/main" val="3564060029"/>
       </p:ext>
     </p:extLst>
   </p:cSld>
@@ -9167,15 +9181,94 @@
           <a:p>
             <a:r>
               <a:rPr lang="zh-CN" altLang="en-US" dirty="0" smtClean="0"/>
-              <a:t>可视化高级方法</a:t>
-            </a:r>
+              <a:t>分位面</a:t>
+            </a:r>
+            <a:endParaRPr lang="zh-CN" altLang="en-US" dirty="0"/>
+          </a:p>
+        </p:txBody>
+      </p:sp>
+      <p:sp>
+        <p:nvSpPr>
+          <p:cNvPr id="3" name="内容占位符 2"/>
+          <p:cNvSpPr>
+            <a:spLocks noGrp="1"/>
+          </p:cNvSpPr>
+          <p:nvPr>
+            <p:ph idx="1"/>
+          </p:nvPr>
+        </p:nvSpPr>
+        <p:spPr/>
+        <p:txBody>
+          <a:bodyPr/>
+          <a:lstStyle/>
+          <a:p>
+            <a:r>
+              <a:rPr lang="zh-CN" altLang="en-US" dirty="0" smtClean="0"/>
+              <a:t>请指出右侧图中各项图形要素</a:t>
+            </a:r>
+            <a:endParaRPr lang="zh-CN" altLang="en-US" dirty="0"/>
+          </a:p>
+        </p:txBody>
+      </p:sp>
+    </p:spTree>
+    <p:extLst>
+      <p:ext uri="{BB962C8B-B14F-4D97-AF65-F5344CB8AC3E}">
+        <p14:creationId xmlns:p14="http://schemas.microsoft.com/office/powerpoint/2010/main" val="2449315150"/>
+      </p:ext>
+    </p:extLst>
+  </p:cSld>
+  <p:clrMapOvr>
+    <a:masterClrMapping/>
+  </p:clrMapOvr>
+  <p:timing>
+    <p:tnLst>
+      <p:par>
+        <p:cTn id="1" dur="indefinite" restart="never" nodeType="tmRoot"/>
+      </p:par>
+    </p:tnLst>
+  </p:timing>
+</p:sld>
+</file>
+
+<file path=ppt/slides/slide16.xml><?xml version="1.0" encoding="utf-8"?>
+<p:sld xmlns:a="http://schemas.openxmlformats.org/drawingml/2006/main" xmlns:r="http://schemas.openxmlformats.org/officeDocument/2006/relationships" xmlns:p="http://schemas.openxmlformats.org/presentationml/2006/main">
+  <p:cSld>
+    <p:spTree>
+      <p:nvGrpSpPr>
+        <p:cNvPr id="1" name=""/>
+        <p:cNvGrpSpPr/>
+        <p:nvPr/>
+      </p:nvGrpSpPr>
+      <p:grpSpPr>
+        <a:xfrm>
+          <a:off x="0" y="0"/>
+          <a:ext cx="0" cy="0"/>
+          <a:chOff x="0" y="0"/>
+          <a:chExt cx="0" cy="0"/>
+        </a:xfrm>
+      </p:grpSpPr>
+      <p:sp>
+        <p:nvSpPr>
+          <p:cNvPr id="2" name="标题 1"/>
+          <p:cNvSpPr>
+            <a:spLocks noGrp="1"/>
+          </p:cNvSpPr>
+          <p:nvPr>
+            <p:ph type="title"/>
+          </p:nvPr>
+        </p:nvSpPr>
+        <p:spPr/>
+        <p:txBody>
+          <a:bodyPr/>
+          <a:lstStyle/>
+          <a:p>
             <a:r>
               <a:rPr lang="en-US" altLang="zh-CN" dirty="0" smtClean="0"/>
-              <a:t>-</a:t>
+              <a:t>R</a:t>
             </a:r>
             <a:r>
               <a:rPr lang="zh-CN" altLang="en-US" dirty="0" smtClean="0"/>
-              <a:t>图形语法</a:t>
+              <a:t>中的图形系统</a:t>
             </a:r>
             <a:endParaRPr lang="zh-CN" altLang="en-US" dirty="0"/>
           </a:p>
@@ -9198,63 +9291,35 @@
           <a:p>
             <a:r>
               <a:rPr lang="zh-CN" altLang="en-US" dirty="0" smtClean="0"/>
-              <a:t>数据  </a:t>
+              <a:t>基础包：</a:t>
             </a:r>
             <a:r>
               <a:rPr lang="en-US" altLang="zh-CN" dirty="0" smtClean="0"/>
-              <a:t>Data</a:t>
+              <a:t>graphics</a:t>
             </a:r>
           </a:p>
           <a:p>
             <a:r>
               <a:rPr lang="zh-CN" altLang="en-US" dirty="0" smtClean="0"/>
-              <a:t>映射  </a:t>
+              <a:t>栅栏图形系统：</a:t>
             </a:r>
             <a:r>
               <a:rPr lang="en-US" altLang="zh-CN" dirty="0" smtClean="0"/>
-              <a:t>Mapping</a:t>
+              <a:t>lattice</a:t>
             </a:r>
           </a:p>
           <a:p>
             <a:r>
               <a:rPr lang="zh-CN" altLang="en-US" dirty="0" smtClean="0"/>
-              <a:t>几何对象  </a:t>
+              <a:t>图层式图形系统：</a:t>
             </a:r>
             <a:r>
               <a:rPr lang="en-US" altLang="zh-CN" dirty="0" smtClean="0"/>
-              <a:t>Geometric</a:t>
-            </a:r>
-          </a:p>
-          <a:p>
-            <a:r>
-              <a:rPr lang="zh-CN" altLang="en-US" dirty="0"/>
-              <a:t>标度  </a:t>
-            </a:r>
-            <a:r>
-              <a:rPr lang="en-US" altLang="zh-CN" dirty="0"/>
-              <a:t>Scale</a:t>
-            </a:r>
+              <a:t>ggplot2</a:t>
+            </a:r>
+          </a:p>
+          <a:p>
             <a:endParaRPr lang="zh-CN" altLang="en-US" dirty="0"/>
-          </a:p>
-          <a:p>
-            <a:r>
-              <a:rPr lang="zh-CN" altLang="en-US" dirty="0"/>
-              <a:t>分面  </a:t>
-            </a:r>
-            <a:r>
-              <a:rPr lang="en-US" altLang="zh-CN" dirty="0"/>
-              <a:t>Facet</a:t>
-            </a:r>
-          </a:p>
-          <a:p>
-            <a:r>
-              <a:rPr lang="zh-CN" altLang="en-US" dirty="0" smtClean="0"/>
-              <a:t>统计变换 </a:t>
-            </a:r>
-            <a:r>
-              <a:rPr lang="en-US" altLang="zh-CN" dirty="0" smtClean="0"/>
-              <a:t>Statistics</a:t>
-            </a:r>
           </a:p>
         </p:txBody>
       </p:sp>
@@ -9273,59 +9338,20 @@
           <a:bodyPr/>
           <a:lstStyle/>
           <a:p>
-            <a:r>
-              <a:rPr lang="zh-CN" altLang="en-US" dirty="0"/>
-              <a:t>坐标系 </a:t>
-            </a:r>
-            <a:r>
-              <a:rPr lang="en-US" altLang="zh-CN" dirty="0" err="1"/>
-              <a:t>Coordinante</a:t>
-            </a:r>
-            <a:endParaRPr lang="en-US" altLang="zh-CN" dirty="0"/>
-          </a:p>
-          <a:p>
-            <a:r>
-              <a:rPr lang="zh-CN" altLang="en-US" dirty="0" smtClean="0"/>
-              <a:t>主题  </a:t>
-            </a:r>
-            <a:r>
-              <a:rPr lang="en-US" altLang="zh-CN" dirty="0" smtClean="0"/>
-              <a:t>Theme</a:t>
-            </a:r>
-          </a:p>
-          <a:p>
-            <a:r>
-              <a:rPr lang="zh-CN" altLang="en-US" dirty="0" smtClean="0"/>
-              <a:t>位置  </a:t>
-            </a:r>
-            <a:endParaRPr lang="en-US" altLang="zh-CN" dirty="0" smtClean="0"/>
-          </a:p>
-          <a:p>
-            <a:r>
-              <a:rPr lang="zh-CN" altLang="en-US" dirty="0" smtClean="0"/>
-              <a:t>存储和输出</a:t>
-            </a:r>
-            <a:endParaRPr lang="zh-CN" altLang="en-US" dirty="0"/>
+            <a:endParaRPr lang="zh-CN" altLang="en-US"/>
           </a:p>
         </p:txBody>
       </p:sp>
     </p:spTree>
     <p:extLst>
       <p:ext uri="{BB962C8B-B14F-4D97-AF65-F5344CB8AC3E}">
-        <p14:creationId xmlns:p14="http://schemas.microsoft.com/office/powerpoint/2010/main" val="3564060029"/>
+        <p14:creationId xmlns:p14="http://schemas.microsoft.com/office/powerpoint/2010/main" val="1593914872"/>
       </p:ext>
     </p:extLst>
   </p:cSld>
   <p:clrMapOvr>
     <a:masterClrMapping/>
   </p:clrMapOvr>
-  <p:timing>
-    <p:tnLst>
-      <p:par>
-        <p:cTn id="1" dur="indefinite" restart="never" nodeType="tmRoot"/>
-      </p:par>
-    </p:tnLst>
-  </p:timing>
 </p:sld>
 </file>
 
